--- a/extra/MS-300AIntro.pptx
+++ b/extra/MS-300AIntro.pptx
@@ -241,7 +241,7 @@
               <a:rPr lang="en-US" smtClean="0">
                 <a:latin typeface="Segoe UI" pitchFamily="34" charset="0"/>
               </a:rPr>
-              <a:t>8/2/2019 2:35 PM</a:t>
+              <a:t>11/17/2019 2:32 PM</a:t>
             </a:fld>
             <a:endParaRPr lang="en-US" dirty="0">
               <a:latin typeface="Segoe UI" pitchFamily="34" charset="0"/>
@@ -519,7 +519,7 @@
           <a:p>
             <a:fld id="{386CE63F-9E7F-4C04-9D0D-FCA25A8E9E86}" type="datetime8">
               <a:rPr lang="en-US" smtClean="0"/>
-              <a:t>8/2/2019 2:35 PM</a:t>
+              <a:t>11/17/2019 2:32 PM</a:t>
             </a:fld>
             <a:endParaRPr lang="en-US" dirty="0"/>
           </a:p>
@@ -886,7 +886,7 @@
           <a:p>
             <a:fld id="{3619146B-24F9-441E-A368-DB3B5A84C1D4}" type="datetime8">
               <a:rPr lang="en-US" smtClean="0"/>
-              <a:t>8/2/2019 2:35 PM</a:t>
+              <a:t>11/17/2019 2:32 PM</a:t>
             </a:fld>
             <a:endParaRPr lang="en-US" dirty="0"/>
           </a:p>
@@ -1051,7 +1051,7 @@
           <a:p>
             <a:fld id="{9427A7F7-BB1E-479D-AFAA-B52F4D0C99F2}" type="datetime8">
               <a:rPr lang="en-US" smtClean="0"/>
-              <a:t>8/2/2019 2:43 PM</a:t>
+              <a:t>11/17/2019 2:32 PM</a:t>
             </a:fld>
             <a:endParaRPr lang="en-US" dirty="0"/>
           </a:p>
@@ -1216,7 +1216,7 @@
           <a:p>
             <a:fld id="{9427A7F7-BB1E-479D-AFAA-B52F4D0C99F2}" type="datetime8">
               <a:rPr lang="en-US" smtClean="0"/>
-              <a:t>8/2/2019 2:46 PM</a:t>
+              <a:t>11/17/2019 2:32 PM</a:t>
             </a:fld>
             <a:endParaRPr lang="en-US" dirty="0"/>
           </a:p>
@@ -7697,7 +7697,11 @@
           <a:p>
             <a:pPr lvl="1"/>
             <a:r>
-              <a:rPr lang="en-US" dirty="0"/>
+              <a:rPr lang="en-US" dirty="0">
+                <a:solidFill>
+                  <a:schemeClr val="accent5"/>
+                </a:solidFill>
+              </a:rPr>
               <a:t>LAB: Creating and configuring Site collection</a:t>
             </a:r>
           </a:p>
@@ -7735,7 +7739,11 @@
           <a:p>
             <a:pPr lvl="1"/>
             <a:r>
-              <a:rPr lang="en-US" dirty="0"/>
+              <a:rPr lang="en-US" dirty="0">
+                <a:solidFill>
+                  <a:schemeClr val="accent5"/>
+                </a:solidFill>
+              </a:rPr>
               <a:t>LAB:  Import term sets</a:t>
             </a:r>
           </a:p>
@@ -7886,6 +7894,20 @@
           <a:p>
             <a:pPr lvl="1"/>
             <a:r>
+              <a:rPr lang="en-US" dirty="0"/>
+              <a:t>M02: Planning and developing governance</a:t>
+            </a:r>
+          </a:p>
+          <a:p>
+            <a:pPr lvl="1"/>
+            <a:r>
+              <a:rPr lang="en-US" dirty="0"/>
+              <a:t>M03: Managing Office 365 collaboration workloads</a:t>
+            </a:r>
+          </a:p>
+          <a:p>
+            <a:pPr lvl="1"/>
+            <a:r>
               <a:rPr lang="en-US" dirty="0">
                 <a:solidFill>
                   <a:schemeClr val="accent5"/>
@@ -7897,26 +7919,12 @@
           <a:p>
             <a:pPr lvl="1"/>
             <a:r>
-              <a:rPr lang="en-US" dirty="0"/>
-              <a:t>M02: Planning and developing governance</a:t>
-            </a:r>
-          </a:p>
-          <a:p>
-            <a:pPr lvl="1"/>
-            <a:r>
               <a:rPr lang="en-US" dirty="0">
                 <a:solidFill>
                   <a:schemeClr val="accent5"/>
                 </a:solidFill>
               </a:rPr>
               <a:t>LAB: Managing Yammer integration</a:t>
-            </a:r>
-          </a:p>
-          <a:p>
-            <a:pPr lvl="1"/>
-            <a:r>
-              <a:rPr lang="en-US" dirty="0"/>
-              <a:t>M03: Managing Office 365 collaboration workloads</a:t>
             </a:r>
           </a:p>
           <a:p>
